--- a/PropensityToBuy/Project_Presentation.pptx
+++ b/PropensityToBuy/Project_Presentation.pptx
@@ -9,17 +9,21 @@
     <p:sldId id="270" r:id="rId3"/>
     <p:sldId id="266" r:id="rId4"/>
     <p:sldId id="257" r:id="rId5"/>
-    <p:sldId id="258" r:id="rId6"/>
-    <p:sldId id="259" r:id="rId7"/>
-    <p:sldId id="260" r:id="rId8"/>
-    <p:sldId id="262" r:id="rId9"/>
-    <p:sldId id="263" r:id="rId10"/>
-    <p:sldId id="264" r:id="rId11"/>
-    <p:sldId id="265" r:id="rId12"/>
-    <p:sldId id="267" r:id="rId13"/>
-    <p:sldId id="268" r:id="rId14"/>
-    <p:sldId id="269" r:id="rId15"/>
-    <p:sldId id="271" r:id="rId16"/>
+    <p:sldId id="273" r:id="rId6"/>
+    <p:sldId id="274" r:id="rId7"/>
+    <p:sldId id="275" r:id="rId8"/>
+    <p:sldId id="272" r:id="rId9"/>
+    <p:sldId id="258" r:id="rId10"/>
+    <p:sldId id="259" r:id="rId11"/>
+    <p:sldId id="260" r:id="rId12"/>
+    <p:sldId id="262" r:id="rId13"/>
+    <p:sldId id="263" r:id="rId14"/>
+    <p:sldId id="264" r:id="rId15"/>
+    <p:sldId id="265" r:id="rId16"/>
+    <p:sldId id="267" r:id="rId17"/>
+    <p:sldId id="268" r:id="rId18"/>
+    <p:sldId id="269" r:id="rId19"/>
+    <p:sldId id="271" r:id="rId20"/>
   </p:sldIdLst>
   <p:sldSz cx="12192000" cy="6858000"/>
   <p:notesSz cx="6858000" cy="9144000"/>
@@ -118,6 +122,11 @@
       </a:defRPr>
     </a:lvl9pPr>
   </p:defaultTextStyle>
+  <p:extLst>
+    <p:ext uri="{EFAFB233-063F-42B5-8137-9DF3F51BA10A}">
+      <p15:sldGuideLst xmlns:p15="http://schemas.microsoft.com/office/powerpoint/2012/main"/>
+    </p:ext>
+  </p:extLst>
 </p:presentation>
 </file>
 
@@ -268,7 +277,7 @@
           <a:p>
             <a:fld id="{9BDF48EF-BC48-E54E-8ADE-2356F3A3C1A1}" type="datetimeFigureOut">
               <a:rPr lang="en-US" smtClean="0"/>
-              <a:t>7/1/18</a:t>
+              <a:t>7/5/18</a:t>
             </a:fld>
             <a:endParaRPr lang="en-US"/>
           </a:p>
@@ -466,7 +475,7 @@
           <a:p>
             <a:fld id="{9BDF48EF-BC48-E54E-8ADE-2356F3A3C1A1}" type="datetimeFigureOut">
               <a:rPr lang="en-US" smtClean="0"/>
-              <a:t>7/1/18</a:t>
+              <a:t>7/5/18</a:t>
             </a:fld>
             <a:endParaRPr lang="en-US"/>
           </a:p>
@@ -674,7 +683,7 @@
           <a:p>
             <a:fld id="{9BDF48EF-BC48-E54E-8ADE-2356F3A3C1A1}" type="datetimeFigureOut">
               <a:rPr lang="en-US" smtClean="0"/>
-              <a:t>7/1/18</a:t>
+              <a:t>7/5/18</a:t>
             </a:fld>
             <a:endParaRPr lang="en-US"/>
           </a:p>
@@ -872,7 +881,7 @@
           <a:p>
             <a:fld id="{9BDF48EF-BC48-E54E-8ADE-2356F3A3C1A1}" type="datetimeFigureOut">
               <a:rPr lang="en-US" smtClean="0"/>
-              <a:t>7/1/18</a:t>
+              <a:t>7/5/18</a:t>
             </a:fld>
             <a:endParaRPr lang="en-US"/>
           </a:p>
@@ -1147,7 +1156,7 @@
           <a:p>
             <a:fld id="{9BDF48EF-BC48-E54E-8ADE-2356F3A3C1A1}" type="datetimeFigureOut">
               <a:rPr lang="en-US" smtClean="0"/>
-              <a:t>7/1/18</a:t>
+              <a:t>7/5/18</a:t>
             </a:fld>
             <a:endParaRPr lang="en-US"/>
           </a:p>
@@ -1412,7 +1421,7 @@
           <a:p>
             <a:fld id="{9BDF48EF-BC48-E54E-8ADE-2356F3A3C1A1}" type="datetimeFigureOut">
               <a:rPr lang="en-US" smtClean="0"/>
-              <a:t>7/1/18</a:t>
+              <a:t>7/5/18</a:t>
             </a:fld>
             <a:endParaRPr lang="en-US"/>
           </a:p>
@@ -1824,7 +1833,7 @@
           <a:p>
             <a:fld id="{9BDF48EF-BC48-E54E-8ADE-2356F3A3C1A1}" type="datetimeFigureOut">
               <a:rPr lang="en-US" smtClean="0"/>
-              <a:t>7/1/18</a:t>
+              <a:t>7/5/18</a:t>
             </a:fld>
             <a:endParaRPr lang="en-US"/>
           </a:p>
@@ -1965,7 +1974,7 @@
           <a:p>
             <a:fld id="{9BDF48EF-BC48-E54E-8ADE-2356F3A3C1A1}" type="datetimeFigureOut">
               <a:rPr lang="en-US" smtClean="0"/>
-              <a:t>7/1/18</a:t>
+              <a:t>7/5/18</a:t>
             </a:fld>
             <a:endParaRPr lang="en-US"/>
           </a:p>
@@ -2078,7 +2087,7 @@
           <a:p>
             <a:fld id="{9BDF48EF-BC48-E54E-8ADE-2356F3A3C1A1}" type="datetimeFigureOut">
               <a:rPr lang="en-US" smtClean="0"/>
-              <a:t>7/1/18</a:t>
+              <a:t>7/5/18</a:t>
             </a:fld>
             <a:endParaRPr lang="en-US"/>
           </a:p>
@@ -2389,7 +2398,7 @@
           <a:p>
             <a:fld id="{9BDF48EF-BC48-E54E-8ADE-2356F3A3C1A1}" type="datetimeFigureOut">
               <a:rPr lang="en-US" smtClean="0"/>
-              <a:t>7/1/18</a:t>
+              <a:t>7/5/18</a:t>
             </a:fld>
             <a:endParaRPr lang="en-US"/>
           </a:p>
@@ -2680,7 +2689,7 @@
           <a:p>
             <a:fld id="{9BDF48EF-BC48-E54E-8ADE-2356F3A3C1A1}" type="datetimeFigureOut">
               <a:rPr lang="en-US" smtClean="0"/>
-              <a:t>7/1/18</a:t>
+              <a:t>7/5/18</a:t>
             </a:fld>
             <a:endParaRPr lang="en-US"/>
           </a:p>
@@ -2921,7 +2930,7 @@
           <a:p>
             <a:fld id="{9BDF48EF-BC48-E54E-8ADE-2356F3A3C1A1}" type="datetimeFigureOut">
               <a:rPr lang="en-US" smtClean="0"/>
-              <a:t>7/1/18</a:t>
+              <a:t>7/5/18</a:t>
             </a:fld>
             <a:endParaRPr lang="en-US"/>
           </a:p>
@@ -3507,6 +3516,513 @@
           <a:p>
             <a:r>
               <a:rPr lang="en-US" dirty="0"/>
+              <a:t>Logistic Regression</a:t>
+            </a:r>
+          </a:p>
+        </p:txBody>
+      </p:sp>
+      <p:sp>
+        <p:nvSpPr>
+          <p:cNvPr id="3" name="Content Placeholder 2">
+            <a:extLst>
+              <a:ext uri="{FF2B5EF4-FFF2-40B4-BE49-F238E27FC236}">
+                <a16:creationId xmlns:a16="http://schemas.microsoft.com/office/drawing/2014/main" id="{C3420B77-8DAF-1C44-AB10-85C4054A0B52}"/>
+              </a:ext>
+            </a:extLst>
+          </p:cNvPr>
+          <p:cNvSpPr>
+            <a:spLocks noGrp="1"/>
+          </p:cNvSpPr>
+          <p:nvPr>
+            <p:ph idx="1"/>
+          </p:nvPr>
+        </p:nvSpPr>
+        <p:spPr>
+          <a:xfrm>
+            <a:off x="838199" y="1825625"/>
+            <a:ext cx="4775791" cy="4351338"/>
+          </a:xfrm>
+        </p:spPr>
+        <p:txBody>
+          <a:bodyPr/>
+          <a:lstStyle/>
+          <a:p>
+            <a:r>
+              <a:rPr lang="en-US" sz="1600" dirty="0"/>
+              <a:t>Tuned with model parameter – C</a:t>
+            </a:r>
+          </a:p>
+          <a:p>
+            <a:r>
+              <a:rPr lang="en-US" sz="1600" dirty="0"/>
+              <a:t>Used 10—fold cross validation with Grid search to pick the best tuning parameter.</a:t>
+            </a:r>
+          </a:p>
+          <a:p>
+            <a:r>
+              <a:rPr lang="en-US" sz="1600" dirty="0"/>
+              <a:t>As shown in the ROC curve the accuracy was around 78%</a:t>
+            </a:r>
+          </a:p>
+          <a:p>
+            <a:endParaRPr lang="en-US" sz="1600" dirty="0"/>
+          </a:p>
+          <a:p>
+            <a:pPr marL="0" indent="0">
+              <a:buNone/>
+            </a:pPr>
+            <a:endParaRPr lang="en-US" dirty="0"/>
+          </a:p>
+        </p:txBody>
+      </p:sp>
+      <p:pic>
+        <p:nvPicPr>
+          <p:cNvPr id="5" name="Picture 4">
+            <a:extLst>
+              <a:ext uri="{FF2B5EF4-FFF2-40B4-BE49-F238E27FC236}">
+                <a16:creationId xmlns:a16="http://schemas.microsoft.com/office/drawing/2014/main" id="{16F97892-3577-1741-8BF2-E110018B908A}"/>
+              </a:ext>
+            </a:extLst>
+          </p:cNvPr>
+          <p:cNvPicPr>
+            <a:picLocks noChangeAspect="1"/>
+          </p:cNvPicPr>
+          <p:nvPr/>
+        </p:nvPicPr>
+        <p:blipFill>
+          <a:blip r:embed="rId2">
+            <a:extLst>
+              <a:ext uri="{28A0092B-C50C-407E-A947-70E740481C1C}">
+                <a14:useLocalDpi xmlns:a14="http://schemas.microsoft.com/office/drawing/2010/main" val="0"/>
+              </a:ext>
+            </a:extLst>
+          </a:blip>
+          <a:stretch>
+            <a:fillRect/>
+          </a:stretch>
+        </p:blipFill>
+        <p:spPr>
+          <a:xfrm>
+            <a:off x="5398386" y="2019300"/>
+            <a:ext cx="6350000" cy="4292600"/>
+          </a:xfrm>
+          <a:prstGeom prst="rect">
+            <a:avLst/>
+          </a:prstGeom>
+        </p:spPr>
+      </p:pic>
+    </p:spTree>
+    <p:extLst>
+      <p:ext uri="{BB962C8B-B14F-4D97-AF65-F5344CB8AC3E}">
+        <p14:creationId xmlns:p14="http://schemas.microsoft.com/office/powerpoint/2010/main" val="3083248007"/>
+      </p:ext>
+    </p:extLst>
+  </p:cSld>
+  <p:clrMapOvr>
+    <a:masterClrMapping/>
+  </p:clrMapOvr>
+</p:sld>
+</file>
+
+<file path=ppt/slides/slide11.xml><?xml version="1.0" encoding="utf-8"?>
+<p:sld xmlns:a="http://schemas.openxmlformats.org/drawingml/2006/main" xmlns:r="http://schemas.openxmlformats.org/officeDocument/2006/relationships" xmlns:p="http://schemas.openxmlformats.org/presentationml/2006/main">
+  <p:cSld>
+    <p:spTree>
+      <p:nvGrpSpPr>
+        <p:cNvPr id="1" name=""/>
+        <p:cNvGrpSpPr/>
+        <p:nvPr/>
+      </p:nvGrpSpPr>
+      <p:grpSpPr>
+        <a:xfrm>
+          <a:off x="0" y="0"/>
+          <a:ext cx="0" cy="0"/>
+          <a:chOff x="0" y="0"/>
+          <a:chExt cx="0" cy="0"/>
+        </a:xfrm>
+      </p:grpSpPr>
+      <p:sp>
+        <p:nvSpPr>
+          <p:cNvPr id="2" name="Title 1">
+            <a:extLst>
+              <a:ext uri="{FF2B5EF4-FFF2-40B4-BE49-F238E27FC236}">
+                <a16:creationId xmlns:a16="http://schemas.microsoft.com/office/drawing/2014/main" id="{15A57AEA-02B5-9D47-BB3B-F31713D22BCE}"/>
+              </a:ext>
+            </a:extLst>
+          </p:cNvPr>
+          <p:cNvSpPr>
+            <a:spLocks noGrp="1"/>
+          </p:cNvSpPr>
+          <p:nvPr>
+            <p:ph type="title"/>
+          </p:nvPr>
+        </p:nvSpPr>
+        <p:spPr/>
+        <p:txBody>
+          <a:bodyPr/>
+          <a:lstStyle/>
+          <a:p>
+            <a:r>
+              <a:rPr lang="en-US" dirty="0"/>
+              <a:t>Logistic Regression</a:t>
+            </a:r>
+          </a:p>
+        </p:txBody>
+      </p:sp>
+      <p:sp>
+        <p:nvSpPr>
+          <p:cNvPr id="3" name="Content Placeholder 2">
+            <a:extLst>
+              <a:ext uri="{FF2B5EF4-FFF2-40B4-BE49-F238E27FC236}">
+                <a16:creationId xmlns:a16="http://schemas.microsoft.com/office/drawing/2014/main" id="{398D4561-9248-3240-9EEA-C5571EA3CE6D}"/>
+              </a:ext>
+            </a:extLst>
+          </p:cNvPr>
+          <p:cNvSpPr>
+            <a:spLocks noGrp="1"/>
+          </p:cNvSpPr>
+          <p:nvPr>
+            <p:ph idx="1"/>
+          </p:nvPr>
+        </p:nvSpPr>
+        <p:spPr/>
+        <p:txBody>
+          <a:bodyPr>
+            <a:normAutofit/>
+          </a:bodyPr>
+          <a:lstStyle/>
+          <a:p>
+            <a:r>
+              <a:rPr lang="en-US" sz="1600" dirty="0"/>
+              <a:t>logistic regression is not a useful unless we have already identified all the relevant independent variables.</a:t>
+            </a:r>
+          </a:p>
+          <a:p>
+            <a:r>
+              <a:rPr lang="en-US" sz="1600" dirty="0"/>
+              <a:t>Logistic regression requires that each data point be independent of all other data points. If observations are related to one another, then the model will tend to overweight the significance of those observations.</a:t>
+            </a:r>
+          </a:p>
+          <a:p>
+            <a:r>
+              <a:rPr lang="en-US" sz="1600" dirty="0"/>
+              <a:t>Logistic regression attempts to predict outcomes based on a set of independent variables, but logit models are vulnerable to overconfidence thus resulting in overfitting issues.</a:t>
+            </a:r>
+            <a:br>
+              <a:rPr lang="en-US" sz="1600" dirty="0"/>
+            </a:br>
+            <a:endParaRPr lang="en-US" sz="1600" dirty="0"/>
+          </a:p>
+        </p:txBody>
+      </p:sp>
+    </p:spTree>
+    <p:extLst>
+      <p:ext uri="{BB962C8B-B14F-4D97-AF65-F5344CB8AC3E}">
+        <p14:creationId xmlns:p14="http://schemas.microsoft.com/office/powerpoint/2010/main" val="2367156475"/>
+      </p:ext>
+    </p:extLst>
+  </p:cSld>
+  <p:clrMapOvr>
+    <a:masterClrMapping/>
+  </p:clrMapOvr>
+</p:sld>
+</file>
+
+<file path=ppt/slides/slide12.xml><?xml version="1.0" encoding="utf-8"?>
+<p:sld xmlns:a="http://schemas.openxmlformats.org/drawingml/2006/main" xmlns:r="http://schemas.openxmlformats.org/officeDocument/2006/relationships" xmlns:p="http://schemas.openxmlformats.org/presentationml/2006/main">
+  <p:cSld>
+    <p:spTree>
+      <p:nvGrpSpPr>
+        <p:cNvPr id="1" name=""/>
+        <p:cNvGrpSpPr/>
+        <p:nvPr/>
+      </p:nvGrpSpPr>
+      <p:grpSpPr>
+        <a:xfrm>
+          <a:off x="0" y="0"/>
+          <a:ext cx="0" cy="0"/>
+          <a:chOff x="0" y="0"/>
+          <a:chExt cx="0" cy="0"/>
+        </a:xfrm>
+      </p:grpSpPr>
+      <p:sp>
+        <p:nvSpPr>
+          <p:cNvPr id="2" name="Title 1">
+            <a:extLst>
+              <a:ext uri="{FF2B5EF4-FFF2-40B4-BE49-F238E27FC236}">
+                <a16:creationId xmlns:a16="http://schemas.microsoft.com/office/drawing/2014/main" id="{6C65FEB0-65B6-2047-8D51-84FA1D9966B0}"/>
+              </a:ext>
+            </a:extLst>
+          </p:cNvPr>
+          <p:cNvSpPr>
+            <a:spLocks noGrp="1"/>
+          </p:cNvSpPr>
+          <p:nvPr>
+            <p:ph type="title"/>
+          </p:nvPr>
+        </p:nvSpPr>
+        <p:spPr/>
+        <p:txBody>
+          <a:bodyPr/>
+          <a:lstStyle/>
+          <a:p>
+            <a:r>
+              <a:rPr lang="en-US" dirty="0"/>
+              <a:t>Decision Tree</a:t>
+            </a:r>
+          </a:p>
+        </p:txBody>
+      </p:sp>
+      <p:sp>
+        <p:nvSpPr>
+          <p:cNvPr id="3" name="Content Placeholder 2">
+            <a:extLst>
+              <a:ext uri="{FF2B5EF4-FFF2-40B4-BE49-F238E27FC236}">
+                <a16:creationId xmlns:a16="http://schemas.microsoft.com/office/drawing/2014/main" id="{C3420B77-8DAF-1C44-AB10-85C4054A0B52}"/>
+              </a:ext>
+            </a:extLst>
+          </p:cNvPr>
+          <p:cNvSpPr>
+            <a:spLocks noGrp="1"/>
+          </p:cNvSpPr>
+          <p:nvPr>
+            <p:ph idx="1"/>
+          </p:nvPr>
+        </p:nvSpPr>
+        <p:spPr>
+          <a:xfrm>
+            <a:off x="838199" y="1825625"/>
+            <a:ext cx="4775791" cy="4351338"/>
+          </a:xfrm>
+        </p:spPr>
+        <p:txBody>
+          <a:bodyPr/>
+          <a:lstStyle/>
+          <a:p>
+            <a:r>
+              <a:rPr lang="en-US" sz="1600" dirty="0"/>
+              <a:t>Tuned with model parameter – </a:t>
+            </a:r>
+            <a:r>
+              <a:rPr lang="en-US" sz="1600" dirty="0" err="1"/>
+              <a:t>MaxDepth</a:t>
+            </a:r>
+            <a:endParaRPr lang="en-US" sz="1600" dirty="0"/>
+          </a:p>
+          <a:p>
+            <a:r>
+              <a:rPr lang="en-US" sz="1600" dirty="0"/>
+              <a:t>Used 10—fold cross validation with Grid search to pick the best tuning parameter.</a:t>
+            </a:r>
+          </a:p>
+          <a:p>
+            <a:r>
+              <a:rPr lang="en-US" sz="1600" dirty="0"/>
+              <a:t>As shown in the ROC curve the accuracy was around 81%</a:t>
+            </a:r>
+          </a:p>
+          <a:p>
+            <a:endParaRPr lang="en-US" sz="1600" dirty="0"/>
+          </a:p>
+          <a:p>
+            <a:pPr marL="0" indent="0">
+              <a:buNone/>
+            </a:pPr>
+            <a:endParaRPr lang="en-US" dirty="0"/>
+          </a:p>
+        </p:txBody>
+      </p:sp>
+      <p:pic>
+        <p:nvPicPr>
+          <p:cNvPr id="6" name="Picture 5">
+            <a:extLst>
+              <a:ext uri="{FF2B5EF4-FFF2-40B4-BE49-F238E27FC236}">
+                <a16:creationId xmlns:a16="http://schemas.microsoft.com/office/drawing/2014/main" id="{2F5E9738-FD5E-FA49-B389-966BA320C310}"/>
+              </a:ext>
+            </a:extLst>
+          </p:cNvPr>
+          <p:cNvPicPr>
+            <a:picLocks noChangeAspect="1"/>
+          </p:cNvPicPr>
+          <p:nvPr/>
+        </p:nvPicPr>
+        <p:blipFill>
+          <a:blip r:embed="rId2">
+            <a:extLst>
+              <a:ext uri="{28A0092B-C50C-407E-A947-70E740481C1C}">
+                <a14:useLocalDpi xmlns:a14="http://schemas.microsoft.com/office/drawing/2010/main" val="0"/>
+              </a:ext>
+            </a:extLst>
+          </a:blip>
+          <a:stretch>
+            <a:fillRect/>
+          </a:stretch>
+        </p:blipFill>
+        <p:spPr>
+          <a:xfrm>
+            <a:off x="5975498" y="1517650"/>
+            <a:ext cx="5969886" cy="3822700"/>
+          </a:xfrm>
+          <a:prstGeom prst="rect">
+            <a:avLst/>
+          </a:prstGeom>
+        </p:spPr>
+      </p:pic>
+    </p:spTree>
+    <p:extLst>
+      <p:ext uri="{BB962C8B-B14F-4D97-AF65-F5344CB8AC3E}">
+        <p14:creationId xmlns:p14="http://schemas.microsoft.com/office/powerpoint/2010/main" val="4284354610"/>
+      </p:ext>
+    </p:extLst>
+  </p:cSld>
+  <p:clrMapOvr>
+    <a:masterClrMapping/>
+  </p:clrMapOvr>
+</p:sld>
+</file>
+
+<file path=ppt/slides/slide13.xml><?xml version="1.0" encoding="utf-8"?>
+<p:sld xmlns:a="http://schemas.openxmlformats.org/drawingml/2006/main" xmlns:r="http://schemas.openxmlformats.org/officeDocument/2006/relationships" xmlns:p="http://schemas.openxmlformats.org/presentationml/2006/main">
+  <p:cSld>
+    <p:spTree>
+      <p:nvGrpSpPr>
+        <p:cNvPr id="1" name=""/>
+        <p:cNvGrpSpPr/>
+        <p:nvPr/>
+      </p:nvGrpSpPr>
+      <p:grpSpPr>
+        <a:xfrm>
+          <a:off x="0" y="0"/>
+          <a:ext cx="0" cy="0"/>
+          <a:chOff x="0" y="0"/>
+          <a:chExt cx="0" cy="0"/>
+        </a:xfrm>
+      </p:grpSpPr>
+      <p:sp>
+        <p:nvSpPr>
+          <p:cNvPr id="2" name="Title 1">
+            <a:extLst>
+              <a:ext uri="{FF2B5EF4-FFF2-40B4-BE49-F238E27FC236}">
+                <a16:creationId xmlns:a16="http://schemas.microsoft.com/office/drawing/2014/main" id="{15A57AEA-02B5-9D47-BB3B-F31713D22BCE}"/>
+              </a:ext>
+            </a:extLst>
+          </p:cNvPr>
+          <p:cNvSpPr>
+            <a:spLocks noGrp="1"/>
+          </p:cNvSpPr>
+          <p:nvPr>
+            <p:ph type="title"/>
+          </p:nvPr>
+        </p:nvSpPr>
+        <p:spPr/>
+        <p:txBody>
+          <a:bodyPr/>
+          <a:lstStyle/>
+          <a:p>
+            <a:r>
+              <a:rPr lang="en-US" dirty="0"/>
+              <a:t>Decision Tree</a:t>
+            </a:r>
+          </a:p>
+        </p:txBody>
+      </p:sp>
+      <p:sp>
+        <p:nvSpPr>
+          <p:cNvPr id="3" name="Content Placeholder 2">
+            <a:extLst>
+              <a:ext uri="{FF2B5EF4-FFF2-40B4-BE49-F238E27FC236}">
+                <a16:creationId xmlns:a16="http://schemas.microsoft.com/office/drawing/2014/main" id="{398D4561-9248-3240-9EEA-C5571EA3CE6D}"/>
+              </a:ext>
+            </a:extLst>
+          </p:cNvPr>
+          <p:cNvSpPr>
+            <a:spLocks noGrp="1"/>
+          </p:cNvSpPr>
+          <p:nvPr>
+            <p:ph idx="1"/>
+          </p:nvPr>
+        </p:nvSpPr>
+        <p:spPr/>
+        <p:txBody>
+          <a:bodyPr>
+            <a:normAutofit/>
+          </a:bodyPr>
+          <a:lstStyle/>
+          <a:p>
+            <a:r>
+              <a:rPr lang="en-US" sz="1600" dirty="0"/>
+              <a:t>Decision tree is prone to overfitting.</a:t>
+            </a:r>
+          </a:p>
+          <a:p>
+            <a:r>
+              <a:rPr lang="en-US" sz="1600" dirty="0"/>
+              <a:t>One way to combat this issue is by setting a max depth. This will limit our risk of overfitting; but as always, this will be at the expense of error due to bias. So for example Thus if we set a max depth of three, we would only ask three questions (</a:t>
+            </a:r>
+            <a:r>
+              <a:rPr lang="en-US" sz="1600" dirty="0" err="1"/>
+              <a:t>i.e</a:t>
+            </a:r>
+            <a:r>
+              <a:rPr lang="en-US" sz="1600" dirty="0"/>
+              <a:t> split three times). This is a simpler model with less variance sample to sample but ultimately will not be a strong predictive model.</a:t>
+            </a:r>
+          </a:p>
+        </p:txBody>
+      </p:sp>
+    </p:spTree>
+    <p:extLst>
+      <p:ext uri="{BB962C8B-B14F-4D97-AF65-F5344CB8AC3E}">
+        <p14:creationId xmlns:p14="http://schemas.microsoft.com/office/powerpoint/2010/main" val="2318044260"/>
+      </p:ext>
+    </p:extLst>
+  </p:cSld>
+  <p:clrMapOvr>
+    <a:masterClrMapping/>
+  </p:clrMapOvr>
+</p:sld>
+</file>
+
+<file path=ppt/slides/slide14.xml><?xml version="1.0" encoding="utf-8"?>
+<p:sld xmlns:a="http://schemas.openxmlformats.org/drawingml/2006/main" xmlns:r="http://schemas.openxmlformats.org/officeDocument/2006/relationships" xmlns:p="http://schemas.openxmlformats.org/presentationml/2006/main">
+  <p:cSld>
+    <p:spTree>
+      <p:nvGrpSpPr>
+        <p:cNvPr id="1" name=""/>
+        <p:cNvGrpSpPr/>
+        <p:nvPr/>
+      </p:nvGrpSpPr>
+      <p:grpSpPr>
+        <a:xfrm>
+          <a:off x="0" y="0"/>
+          <a:ext cx="0" cy="0"/>
+          <a:chOff x="0" y="0"/>
+          <a:chExt cx="0" cy="0"/>
+        </a:xfrm>
+      </p:grpSpPr>
+      <p:sp>
+        <p:nvSpPr>
+          <p:cNvPr id="2" name="Title 1">
+            <a:extLst>
+              <a:ext uri="{FF2B5EF4-FFF2-40B4-BE49-F238E27FC236}">
+                <a16:creationId xmlns:a16="http://schemas.microsoft.com/office/drawing/2014/main" id="{6C65FEB0-65B6-2047-8D51-84FA1D9966B0}"/>
+              </a:ext>
+            </a:extLst>
+          </p:cNvPr>
+          <p:cNvSpPr>
+            <a:spLocks noGrp="1"/>
+          </p:cNvSpPr>
+          <p:nvPr>
+            <p:ph type="title"/>
+          </p:nvPr>
+        </p:nvSpPr>
+        <p:spPr/>
+        <p:txBody>
+          <a:bodyPr/>
+          <a:lstStyle/>
+          <a:p>
+            <a:r>
+              <a:rPr lang="en-US" dirty="0"/>
               <a:t>Random Forest</a:t>
             </a:r>
           </a:p>
@@ -3623,7 +4139,7 @@
 </p:sld>
 </file>
 
-<file path=ppt/slides/slide11.xml><?xml version="1.0" encoding="utf-8"?>
+<file path=ppt/slides/slide15.xml><?xml version="1.0" encoding="utf-8"?>
 <p:sld xmlns:a="http://schemas.openxmlformats.org/drawingml/2006/main" xmlns:r="http://schemas.openxmlformats.org/officeDocument/2006/relationships" xmlns:p="http://schemas.openxmlformats.org/presentationml/2006/main">
   <p:cSld>
     <p:spTree>
@@ -3727,7 +4243,7 @@
 </p:sld>
 </file>
 
-<file path=ppt/slides/slide12.xml><?xml version="1.0" encoding="utf-8"?>
+<file path=ppt/slides/slide16.xml><?xml version="1.0" encoding="utf-8"?>
 <p:sld xmlns:a="http://schemas.openxmlformats.org/drawingml/2006/main" xmlns:r="http://schemas.openxmlformats.org/officeDocument/2006/relationships" xmlns:p="http://schemas.openxmlformats.org/presentationml/2006/main">
   <p:cSld>
     <p:spTree>
@@ -3874,7 +4390,7 @@
 </p:sld>
 </file>
 
-<file path=ppt/slides/slide13.xml><?xml version="1.0" encoding="utf-8"?>
+<file path=ppt/slides/slide17.xml><?xml version="1.0" encoding="utf-8"?>
 <p:sld xmlns:a="http://schemas.openxmlformats.org/drawingml/2006/main" xmlns:r="http://schemas.openxmlformats.org/officeDocument/2006/relationships" xmlns:p="http://schemas.openxmlformats.org/presentationml/2006/main">
   <p:cSld>
     <p:spTree>
@@ -4028,7 +4544,7 @@
 </p:sld>
 </file>
 
-<file path=ppt/slides/slide14.xml><?xml version="1.0" encoding="utf-8"?>
+<file path=ppt/slides/slide18.xml><?xml version="1.0" encoding="utf-8"?>
 <p:sld xmlns:a="http://schemas.openxmlformats.org/drawingml/2006/main" xmlns:r="http://schemas.openxmlformats.org/officeDocument/2006/relationships" xmlns:p="http://schemas.openxmlformats.org/presentationml/2006/main">
   <p:cSld>
     <p:spTree>
@@ -4149,7 +4665,7 @@
 </p:sld>
 </file>
 
-<file path=ppt/slides/slide15.xml><?xml version="1.0" encoding="utf-8"?>
+<file path=ppt/slides/slide19.xml><?xml version="1.0" encoding="utf-8"?>
 <p:sld xmlns:a="http://schemas.openxmlformats.org/drawingml/2006/main" xmlns:r="http://schemas.openxmlformats.org/officeDocument/2006/relationships" xmlns:p="http://schemas.openxmlformats.org/presentationml/2006/main">
   <p:cSld>
     <p:spTree>
@@ -4829,19 +5345,7 @@
           <a:p>
             <a:r>
               <a:rPr lang="en-US" dirty="0"/>
-              <a:t>EDA (Exploratory Data Analysis)</a:t>
-            </a:r>
-          </a:p>
-          <a:p>
-            <a:r>
-              <a:rPr lang="en-US" dirty="0"/>
-              <a:t>Outlier detection and correction.</a:t>
-            </a:r>
-          </a:p>
-          <a:p>
-            <a:r>
-              <a:rPr lang="en-US" dirty="0"/>
-              <a:t>Unknown and Not available purge.</a:t>
+              <a:t>EDA (Exploratory Data Analysis) with Outlier detection and correction.</a:t>
             </a:r>
           </a:p>
           <a:p>
@@ -4854,6 +5358,12 @@
             <a:r>
               <a:rPr lang="en-US" dirty="0"/>
               <a:t>Feature Engineering.</a:t>
+            </a:r>
+          </a:p>
+          <a:p>
+            <a:r>
+              <a:rPr lang="en-US" dirty="0"/>
+              <a:t>Removing highly correlated features.</a:t>
             </a:r>
           </a:p>
           <a:p>
@@ -4899,7 +5409,7 @@
           <p:cNvPr id="2" name="Title 1">
             <a:extLst>
               <a:ext uri="{FF2B5EF4-FFF2-40B4-BE49-F238E27FC236}">
-                <a16:creationId xmlns:a16="http://schemas.microsoft.com/office/drawing/2014/main" id="{A5307217-663A-DC47-A621-499CDF81119E}"/>
+                <a16:creationId xmlns:a16="http://schemas.microsoft.com/office/drawing/2014/main" id="{0109950F-7062-A046-8BA9-4780BFC4E094}"/>
               </a:ext>
             </a:extLst>
           </p:cNvPr>
@@ -4910,70 +5420,200 @@
             <p:ph type="title"/>
           </p:nvPr>
         </p:nvSpPr>
-        <p:spPr/>
-        <p:txBody>
-          <a:bodyPr/>
-          <a:lstStyle/>
-          <a:p>
-            <a:r>
-              <a:rPr lang="en-US" dirty="0"/>
-              <a:t>Machine Learning</a:t>
-            </a:r>
-          </a:p>
-        </p:txBody>
-      </p:sp>
-      <p:sp>
-        <p:nvSpPr>
-          <p:cNvPr id="3" name="Content Placeholder 2">
-            <a:extLst>
-              <a:ext uri="{FF2B5EF4-FFF2-40B4-BE49-F238E27FC236}">
-                <a16:creationId xmlns:a16="http://schemas.microsoft.com/office/drawing/2014/main" id="{435B8CC5-9463-344A-A02A-84F5864029EA}"/>
-              </a:ext>
-            </a:extLst>
-          </p:cNvPr>
-          <p:cNvSpPr>
-            <a:spLocks noGrp="1"/>
-          </p:cNvSpPr>
+        <p:spPr>
+          <a:xfrm>
+            <a:off x="838199" y="365126"/>
+            <a:ext cx="10910777" cy="1134066"/>
+          </a:xfrm>
+        </p:spPr>
+        <p:txBody>
+          <a:bodyPr/>
+          <a:lstStyle/>
+          <a:p>
+            <a:r>
+              <a:rPr lang="en-US" sz="3600" dirty="0"/>
+              <a:t>Outlier Removal For Continuous Variable </a:t>
+            </a:r>
+            <a:br>
+              <a:rPr lang="en-US" sz="3600" dirty="0"/>
+            </a:br>
+            <a:r>
+              <a:rPr lang="en-US" sz="2000" dirty="0"/>
+              <a:t>(Example : ‘Campaign’)</a:t>
+            </a:r>
+          </a:p>
+        </p:txBody>
+      </p:sp>
+      <p:pic>
+        <p:nvPicPr>
+          <p:cNvPr id="5" name="Content Placeholder 4">
+            <a:extLst>
+              <a:ext uri="{FF2B5EF4-FFF2-40B4-BE49-F238E27FC236}">
+                <a16:creationId xmlns:a16="http://schemas.microsoft.com/office/drawing/2014/main" id="{E446873E-FED3-1941-B79F-5F2BA774EABD}"/>
+              </a:ext>
+            </a:extLst>
+          </p:cNvPr>
+          <p:cNvPicPr>
+            <a:picLocks noGrp="1" noChangeAspect="1"/>
+          </p:cNvPicPr>
           <p:nvPr>
             <p:ph idx="1"/>
           </p:nvPr>
-        </p:nvSpPr>
-        <p:spPr/>
-        <p:txBody>
-          <a:bodyPr/>
-          <a:lstStyle/>
-          <a:p>
-            <a:r>
-              <a:rPr lang="en-US" dirty="0"/>
-              <a:t>Applied the following Algorithm</a:t>
-            </a:r>
-          </a:p>
-          <a:p>
-            <a:pPr lvl="1"/>
-            <a:r>
-              <a:rPr lang="en-US" dirty="0"/>
-              <a:t>Logistic Regression</a:t>
-            </a:r>
-          </a:p>
-          <a:p>
-            <a:pPr lvl="1"/>
-            <a:r>
-              <a:rPr lang="en-US" dirty="0"/>
-              <a:t>Decision tree</a:t>
-            </a:r>
-          </a:p>
-          <a:p>
-            <a:pPr lvl="1"/>
-            <a:r>
-              <a:rPr lang="en-US" dirty="0"/>
-              <a:t>Random Forest</a:t>
-            </a:r>
-          </a:p>
-          <a:p>
-            <a:pPr lvl="1"/>
-            <a:r>
-              <a:rPr lang="en-US" dirty="0"/>
-              <a:t>Support Vector Machine</a:t>
+        </p:nvPicPr>
+        <p:blipFill>
+          <a:blip r:embed="rId2">
+            <a:extLst>
+              <a:ext uri="{28A0092B-C50C-407E-A947-70E740481C1C}">
+                <a14:useLocalDpi xmlns:a14="http://schemas.microsoft.com/office/drawing/2010/main" val="0"/>
+              </a:ext>
+            </a:extLst>
+          </a:blip>
+          <a:stretch>
+            <a:fillRect/>
+          </a:stretch>
+        </p:blipFill>
+        <p:spPr>
+          <a:xfrm>
+            <a:off x="838200" y="1690688"/>
+            <a:ext cx="3902508" cy="2770874"/>
+          </a:xfrm>
+        </p:spPr>
+      </p:pic>
+      <p:pic>
+        <p:nvPicPr>
+          <p:cNvPr id="7" name="Picture 6">
+            <a:extLst>
+              <a:ext uri="{FF2B5EF4-FFF2-40B4-BE49-F238E27FC236}">
+                <a16:creationId xmlns:a16="http://schemas.microsoft.com/office/drawing/2014/main" id="{99635DA8-D803-9342-A676-DB4B0C6FD064}"/>
+              </a:ext>
+            </a:extLst>
+          </p:cNvPr>
+          <p:cNvPicPr>
+            <a:picLocks noChangeAspect="1"/>
+          </p:cNvPicPr>
+          <p:nvPr/>
+        </p:nvPicPr>
+        <p:blipFill>
+          <a:blip r:embed="rId3">
+            <a:extLst>
+              <a:ext uri="{28A0092B-C50C-407E-A947-70E740481C1C}">
+                <a14:useLocalDpi xmlns:a14="http://schemas.microsoft.com/office/drawing/2010/main" val="0"/>
+              </a:ext>
+            </a:extLst>
+          </a:blip>
+          <a:stretch>
+            <a:fillRect/>
+          </a:stretch>
+        </p:blipFill>
+        <p:spPr>
+          <a:xfrm>
+            <a:off x="7322596" y="1690688"/>
+            <a:ext cx="4031204" cy="2770874"/>
+          </a:xfrm>
+          <a:prstGeom prst="rect">
+            <a:avLst/>
+          </a:prstGeom>
+        </p:spPr>
+      </p:pic>
+      <p:cxnSp>
+        <p:nvCxnSpPr>
+          <p:cNvPr id="9" name="Straight Arrow Connector 8">
+            <a:extLst>
+              <a:ext uri="{FF2B5EF4-FFF2-40B4-BE49-F238E27FC236}">
+                <a16:creationId xmlns:a16="http://schemas.microsoft.com/office/drawing/2014/main" id="{4DE4209B-BE36-2F44-A867-3A0CED36EBE0}"/>
+              </a:ext>
+            </a:extLst>
+          </p:cNvPr>
+          <p:cNvCxnSpPr>
+            <a:cxnSpLocks/>
+          </p:cNvCxnSpPr>
+          <p:nvPr/>
+        </p:nvCxnSpPr>
+        <p:spPr>
+          <a:xfrm>
+            <a:off x="4740708" y="3097390"/>
+            <a:ext cx="2478799" cy="17949"/>
+          </a:xfrm>
+          <a:prstGeom prst="straightConnector1">
+            <a:avLst/>
+          </a:prstGeom>
+          <a:ln>
+            <a:solidFill>
+              <a:schemeClr val="accent2"/>
+            </a:solidFill>
+            <a:tailEnd type="triangle"/>
+          </a:ln>
+        </p:spPr>
+        <p:style>
+          <a:lnRef idx="1">
+            <a:schemeClr val="accent1"/>
+          </a:lnRef>
+          <a:fillRef idx="0">
+            <a:schemeClr val="accent1"/>
+          </a:fillRef>
+          <a:effectRef idx="0">
+            <a:schemeClr val="accent1"/>
+          </a:effectRef>
+          <a:fontRef idx="minor">
+            <a:schemeClr val="tx1"/>
+          </a:fontRef>
+        </p:style>
+      </p:cxnSp>
+      <p:sp>
+        <p:nvSpPr>
+          <p:cNvPr id="10" name="TextBox 9">
+            <a:extLst>
+              <a:ext uri="{FF2B5EF4-FFF2-40B4-BE49-F238E27FC236}">
+                <a16:creationId xmlns:a16="http://schemas.microsoft.com/office/drawing/2014/main" id="{55E17761-8E57-3B42-84DD-9A7EE118AA3B}"/>
+              </a:ext>
+            </a:extLst>
+          </p:cNvPr>
+          <p:cNvSpPr txBox="1"/>
+          <p:nvPr/>
+        </p:nvSpPr>
+        <p:spPr>
+          <a:xfrm>
+            <a:off x="701749" y="4944140"/>
+            <a:ext cx="10652051" cy="830997"/>
+          </a:xfrm>
+          <a:prstGeom prst="rect">
+            <a:avLst/>
+          </a:prstGeom>
+          <a:noFill/>
+        </p:spPr>
+        <p:txBody>
+          <a:bodyPr wrap="square" rtlCol="0">
+            <a:spAutoFit/>
+          </a:bodyPr>
+          <a:lstStyle/>
+          <a:p>
+            <a:pPr marL="285750" indent="-285750">
+              <a:buFont typeface="Arial" panose="020B0604020202020204" pitchFamily="34" charset="0"/>
+              <a:buChar char="•"/>
+            </a:pPr>
+            <a:r>
+              <a:rPr lang="en-US" sz="1600" dirty="0"/>
+              <a:t>As shown above we are applying outlier detection and removal for the feature ‘Campaign’.</a:t>
+            </a:r>
+          </a:p>
+          <a:p>
+            <a:pPr marL="285750" indent="-285750">
+              <a:buFont typeface="Arial" panose="020B0604020202020204" pitchFamily="34" charset="0"/>
+              <a:buChar char="•"/>
+            </a:pPr>
+            <a:r>
+              <a:rPr lang="en-US" sz="1600" dirty="0"/>
+              <a:t>We check any values smaller then [(Q1-1.5* IQR) or larger then (Q3+1.5*IQR) </a:t>
+            </a:r>
+          </a:p>
+          <a:p>
+            <a:pPr marL="285750" indent="-285750">
+              <a:buFont typeface="Arial" panose="020B0604020202020204" pitchFamily="34" charset="0"/>
+              <a:buChar char="•"/>
+            </a:pPr>
+            <a:r>
+              <a:rPr lang="en-US" sz="1600" dirty="0"/>
+              <a:t>After identifying these values that fall outside our range, we impute them by "mean" of respective variable. </a:t>
             </a:r>
           </a:p>
         </p:txBody>
@@ -4981,7 +5621,7 @@
     </p:spTree>
     <p:extLst>
       <p:ext uri="{BB962C8B-B14F-4D97-AF65-F5344CB8AC3E}">
-        <p14:creationId xmlns:p14="http://schemas.microsoft.com/office/powerpoint/2010/main" val="905762211"/>
+        <p14:creationId xmlns:p14="http://schemas.microsoft.com/office/powerpoint/2010/main" val="604501870"/>
       </p:ext>
     </p:extLst>
   </p:cSld>
@@ -5013,7 +5653,7 @@
           <p:cNvPr id="2" name="Title 1">
             <a:extLst>
               <a:ext uri="{FF2B5EF4-FFF2-40B4-BE49-F238E27FC236}">
-                <a16:creationId xmlns:a16="http://schemas.microsoft.com/office/drawing/2014/main" id="{6C65FEB0-65B6-2047-8D51-84FA1D9966B0}"/>
+                <a16:creationId xmlns:a16="http://schemas.microsoft.com/office/drawing/2014/main" id="{0109950F-7062-A046-8BA9-4780BFC4E094}"/>
               </a:ext>
             </a:extLst>
           </p:cNvPr>
@@ -5022,40 +5662,12 @@
           </p:cNvSpPr>
           <p:nvPr>
             <p:ph type="title"/>
-          </p:nvPr>
-        </p:nvSpPr>
-        <p:spPr/>
-        <p:txBody>
-          <a:bodyPr/>
-          <a:lstStyle/>
-          <a:p>
-            <a:r>
-              <a:rPr lang="en-US" dirty="0"/>
-              <a:t>Logistic Regression</a:t>
-            </a:r>
-          </a:p>
-        </p:txBody>
-      </p:sp>
-      <p:sp>
-        <p:nvSpPr>
-          <p:cNvPr id="3" name="Content Placeholder 2">
-            <a:extLst>
-              <a:ext uri="{FF2B5EF4-FFF2-40B4-BE49-F238E27FC236}">
-                <a16:creationId xmlns:a16="http://schemas.microsoft.com/office/drawing/2014/main" id="{C3420B77-8DAF-1C44-AB10-85C4054A0B52}"/>
-              </a:ext>
-            </a:extLst>
-          </p:cNvPr>
-          <p:cNvSpPr>
-            <a:spLocks noGrp="1"/>
-          </p:cNvSpPr>
-          <p:nvPr>
-            <p:ph idx="1"/>
           </p:nvPr>
         </p:nvSpPr>
         <p:spPr>
           <a:xfrm>
-            <a:off x="838199" y="1825625"/>
-            <a:ext cx="4775791" cy="4351338"/>
+            <a:off x="838199" y="365126"/>
+            <a:ext cx="10910777" cy="1134066"/>
           </a:xfrm>
         </p:spPr>
         <p:txBody>
@@ -5063,46 +5675,137 @@
           <a:lstStyle/>
           <a:p>
             <a:r>
+              <a:rPr lang="en-US" sz="3600" dirty="0"/>
+              <a:t>Outlier Removal For Categorical Variable </a:t>
+            </a:r>
+            <a:br>
+              <a:rPr lang="en-US" sz="3600" dirty="0"/>
+            </a:br>
+            <a:r>
+              <a:rPr lang="en-US" sz="2000" dirty="0"/>
+              <a:t>(Example : ‘</a:t>
+            </a:r>
+            <a:r>
+              <a:rPr lang="en-US" sz="2000" dirty="0" err="1"/>
+              <a:t>JobType</a:t>
+            </a:r>
+            <a:r>
+              <a:rPr lang="en-US" sz="2000" dirty="0"/>
+              <a:t>’)</a:t>
+            </a:r>
+          </a:p>
+        </p:txBody>
+      </p:sp>
+      <p:cxnSp>
+        <p:nvCxnSpPr>
+          <p:cNvPr id="9" name="Straight Arrow Connector 8">
+            <a:extLst>
+              <a:ext uri="{FF2B5EF4-FFF2-40B4-BE49-F238E27FC236}">
+                <a16:creationId xmlns:a16="http://schemas.microsoft.com/office/drawing/2014/main" id="{4DE4209B-BE36-2F44-A867-3A0CED36EBE0}"/>
+              </a:ext>
+            </a:extLst>
+          </p:cNvPr>
+          <p:cNvCxnSpPr>
+            <a:cxnSpLocks/>
+            <a:stCxn id="8" idx="3"/>
+            <a:endCxn id="14" idx="1"/>
+          </p:cNvCxnSpPr>
+          <p:nvPr/>
+        </p:nvCxnSpPr>
+        <p:spPr>
+          <a:xfrm>
+            <a:off x="5586354" y="3067494"/>
+            <a:ext cx="1537458" cy="0"/>
+          </a:xfrm>
+          <a:prstGeom prst="straightConnector1">
+            <a:avLst/>
+          </a:prstGeom>
+          <a:ln>
+            <a:solidFill>
+              <a:schemeClr val="accent2"/>
+            </a:solidFill>
+            <a:tailEnd type="triangle"/>
+          </a:ln>
+        </p:spPr>
+        <p:style>
+          <a:lnRef idx="1">
+            <a:schemeClr val="accent1"/>
+          </a:lnRef>
+          <a:fillRef idx="0">
+            <a:schemeClr val="accent1"/>
+          </a:fillRef>
+          <a:effectRef idx="0">
+            <a:schemeClr val="accent1"/>
+          </a:effectRef>
+          <a:fontRef idx="minor">
+            <a:schemeClr val="tx1"/>
+          </a:fontRef>
+        </p:style>
+      </p:cxnSp>
+      <p:sp>
+        <p:nvSpPr>
+          <p:cNvPr id="10" name="TextBox 9">
+            <a:extLst>
+              <a:ext uri="{FF2B5EF4-FFF2-40B4-BE49-F238E27FC236}">
+                <a16:creationId xmlns:a16="http://schemas.microsoft.com/office/drawing/2014/main" id="{55E17761-8E57-3B42-84DD-9A7EE118AA3B}"/>
+              </a:ext>
+            </a:extLst>
+          </p:cNvPr>
+          <p:cNvSpPr txBox="1"/>
+          <p:nvPr/>
+        </p:nvSpPr>
+        <p:spPr>
+          <a:xfrm>
+            <a:off x="701749" y="4944140"/>
+            <a:ext cx="10652051" cy="1077218"/>
+          </a:xfrm>
+          <a:prstGeom prst="rect">
+            <a:avLst/>
+          </a:prstGeom>
+          <a:noFill/>
+        </p:spPr>
+        <p:txBody>
+          <a:bodyPr wrap="square" rtlCol="0">
+            <a:spAutoFit/>
+          </a:bodyPr>
+          <a:lstStyle/>
+          <a:p>
+            <a:pPr marL="285750" indent="-285750">
+              <a:buFont typeface="Arial" panose="020B0604020202020204" pitchFamily="34" charset="0"/>
+              <a:buChar char="•"/>
+            </a:pPr>
+            <a:r>
               <a:rPr lang="en-US" sz="1600" dirty="0"/>
-              <a:t>Tuned with model parameter – C</a:t>
-            </a:r>
-          </a:p>
-          <a:p>
+              <a:t>If any Categorical variable has more than 50% unknown values or seems highly unbalanced, we can drop that variable from dataset.</a:t>
+            </a:r>
+          </a:p>
+          <a:p>
+            <a:pPr marL="285750" indent="-285750">
+              <a:buFont typeface="Arial" panose="020B0604020202020204" pitchFamily="34" charset="0"/>
+              <a:buChar char="•"/>
+            </a:pPr>
             <a:r>
               <a:rPr lang="en-US" sz="1600" dirty="0"/>
-              <a:t>Used 10—fold cross validation with Grid search to pick the best tuning parameter.</a:t>
-            </a:r>
-          </a:p>
-          <a:p>
-            <a:r>
-              <a:rPr lang="en-US" sz="1600" dirty="0"/>
-              <a:t>As shown in the ROC curve the accuracy was around 78%</a:t>
-            </a:r>
-          </a:p>
-          <a:p>
-            <a:endParaRPr lang="en-US" sz="1600" dirty="0"/>
-          </a:p>
-          <a:p>
-            <a:pPr marL="0" indent="0">
-              <a:buNone/>
-            </a:pPr>
-            <a:endParaRPr lang="en-US" dirty="0"/>
+              <a:t>If unknown values are less than 50% than we can replace them by Mode of respective variable as shown above where we replace the ‘unknown’ with ‘Management’.</a:t>
+            </a:r>
           </a:p>
         </p:txBody>
       </p:sp>
       <p:pic>
         <p:nvPicPr>
-          <p:cNvPr id="5" name="Picture 4">
-            <a:extLst>
-              <a:ext uri="{FF2B5EF4-FFF2-40B4-BE49-F238E27FC236}">
-                <a16:creationId xmlns:a16="http://schemas.microsoft.com/office/drawing/2014/main" id="{16F97892-3577-1741-8BF2-E110018B908A}"/>
+          <p:cNvPr id="8" name="Content Placeholder 7">
+            <a:extLst>
+              <a:ext uri="{FF2B5EF4-FFF2-40B4-BE49-F238E27FC236}">
+                <a16:creationId xmlns:a16="http://schemas.microsoft.com/office/drawing/2014/main" id="{2F103B61-3042-7743-8C18-99F4A3E0F305}"/>
               </a:ext>
             </a:extLst>
           </p:cNvPr>
           <p:cNvPicPr>
-            <a:picLocks noChangeAspect="1"/>
+            <a:picLocks noGrp="1" noChangeAspect="1"/>
           </p:cNvPicPr>
-          <p:nvPr/>
+          <p:nvPr>
+            <p:ph idx="1"/>
+          </p:nvPr>
         </p:nvPicPr>
         <p:blipFill>
           <a:blip r:embed="rId2">
@@ -5118,8 +5821,41 @@
         </p:blipFill>
         <p:spPr>
           <a:xfrm>
-            <a:off x="5398386" y="2019300"/>
-            <a:ext cx="6350000" cy="4292600"/>
+            <a:off x="701749" y="1499192"/>
+            <a:ext cx="4884605" cy="3136603"/>
+          </a:xfrm>
+        </p:spPr>
+      </p:pic>
+      <p:pic>
+        <p:nvPicPr>
+          <p:cNvPr id="14" name="Picture 13">
+            <a:extLst>
+              <a:ext uri="{FF2B5EF4-FFF2-40B4-BE49-F238E27FC236}">
+                <a16:creationId xmlns:a16="http://schemas.microsoft.com/office/drawing/2014/main" id="{85AAB82C-B7B1-834A-BFA5-28579549A18F}"/>
+              </a:ext>
+            </a:extLst>
+          </p:cNvPr>
+          <p:cNvPicPr>
+            <a:picLocks noChangeAspect="1"/>
+          </p:cNvPicPr>
+          <p:nvPr/>
+        </p:nvPicPr>
+        <p:blipFill>
+          <a:blip r:embed="rId3">
+            <a:extLst>
+              <a:ext uri="{28A0092B-C50C-407E-A947-70E740481C1C}">
+                <a14:useLocalDpi xmlns:a14="http://schemas.microsoft.com/office/drawing/2010/main" val="0"/>
+              </a:ext>
+            </a:extLst>
+          </a:blip>
+          <a:stretch>
+            <a:fillRect/>
+          </a:stretch>
+        </p:blipFill>
+        <p:spPr>
+          <a:xfrm>
+            <a:off x="7123812" y="1499192"/>
+            <a:ext cx="4901609" cy="3136603"/>
           </a:xfrm>
           <a:prstGeom prst="rect">
             <a:avLst/>
@@ -5129,7 +5865,7 @@
     </p:spTree>
     <p:extLst>
       <p:ext uri="{BB962C8B-B14F-4D97-AF65-F5344CB8AC3E}">
-        <p14:creationId xmlns:p14="http://schemas.microsoft.com/office/powerpoint/2010/main" val="3083248007"/>
+        <p14:creationId xmlns:p14="http://schemas.microsoft.com/office/powerpoint/2010/main" val="2075339123"/>
       </p:ext>
     </p:extLst>
   </p:cSld>
@@ -5161,7 +5897,7 @@
           <p:cNvPr id="2" name="Title 1">
             <a:extLst>
               <a:ext uri="{FF2B5EF4-FFF2-40B4-BE49-F238E27FC236}">
-                <a16:creationId xmlns:a16="http://schemas.microsoft.com/office/drawing/2014/main" id="{15A57AEA-02B5-9D47-BB3B-F31713D22BCE}"/>
+                <a16:creationId xmlns:a16="http://schemas.microsoft.com/office/drawing/2014/main" id="{0109950F-7062-A046-8BA9-4780BFC4E094}"/>
               </a:ext>
             </a:extLst>
           </p:cNvPr>
@@ -5172,68 +5908,167 @@
             <p:ph type="title"/>
           </p:nvPr>
         </p:nvSpPr>
-        <p:spPr/>
-        <p:txBody>
-          <a:bodyPr/>
-          <a:lstStyle/>
-          <a:p>
-            <a:r>
-              <a:rPr lang="en-US" dirty="0"/>
-              <a:t>Logistic Regression</a:t>
-            </a:r>
-          </a:p>
-        </p:txBody>
-      </p:sp>
-      <p:sp>
-        <p:nvSpPr>
-          <p:cNvPr id="3" name="Content Placeholder 2">
-            <a:extLst>
-              <a:ext uri="{FF2B5EF4-FFF2-40B4-BE49-F238E27FC236}">
-                <a16:creationId xmlns:a16="http://schemas.microsoft.com/office/drawing/2014/main" id="{398D4561-9248-3240-9EEA-C5571EA3CE6D}"/>
-              </a:ext>
-            </a:extLst>
-          </p:cNvPr>
-          <p:cNvSpPr>
-            <a:spLocks noGrp="1"/>
-          </p:cNvSpPr>
+        <p:spPr>
+          <a:xfrm>
+            <a:off x="838199" y="365126"/>
+            <a:ext cx="10910777" cy="1134066"/>
+          </a:xfrm>
+        </p:spPr>
+        <p:txBody>
+          <a:bodyPr/>
+          <a:lstStyle/>
+          <a:p>
+            <a:r>
+              <a:rPr lang="en-US" sz="3600" dirty="0"/>
+              <a:t>Outlier Removal For Categorical Variable </a:t>
+            </a:r>
+            <a:br>
+              <a:rPr lang="en-US" sz="3600" dirty="0"/>
+            </a:br>
+            <a:r>
+              <a:rPr lang="en-US" sz="2000" dirty="0"/>
+              <a:t>(Example : ‘poutcome’)</a:t>
+            </a:r>
+          </a:p>
+        </p:txBody>
+      </p:sp>
+      <p:cxnSp>
+        <p:nvCxnSpPr>
+          <p:cNvPr id="9" name="Straight Arrow Connector 8">
+            <a:extLst>
+              <a:ext uri="{FF2B5EF4-FFF2-40B4-BE49-F238E27FC236}">
+                <a16:creationId xmlns:a16="http://schemas.microsoft.com/office/drawing/2014/main" id="{4DE4209B-BE36-2F44-A867-3A0CED36EBE0}"/>
+              </a:ext>
+            </a:extLst>
+          </p:cNvPr>
+          <p:cNvCxnSpPr>
+            <a:cxnSpLocks/>
+          </p:cNvCxnSpPr>
+          <p:nvPr/>
+        </p:nvCxnSpPr>
+        <p:spPr>
+          <a:xfrm>
+            <a:off x="5586354" y="3067494"/>
+            <a:ext cx="1537458" cy="0"/>
+          </a:xfrm>
+          <a:prstGeom prst="straightConnector1">
+            <a:avLst/>
+          </a:prstGeom>
+          <a:ln>
+            <a:solidFill>
+              <a:schemeClr val="accent2"/>
+            </a:solidFill>
+            <a:tailEnd type="triangle"/>
+          </a:ln>
+        </p:spPr>
+        <p:style>
+          <a:lnRef idx="1">
+            <a:schemeClr val="accent1"/>
+          </a:lnRef>
+          <a:fillRef idx="0">
+            <a:schemeClr val="accent1"/>
+          </a:fillRef>
+          <a:effectRef idx="0">
+            <a:schemeClr val="accent1"/>
+          </a:effectRef>
+          <a:fontRef idx="minor">
+            <a:schemeClr val="tx1"/>
+          </a:fontRef>
+        </p:style>
+      </p:cxnSp>
+      <p:sp>
+        <p:nvSpPr>
+          <p:cNvPr id="10" name="TextBox 9">
+            <a:extLst>
+              <a:ext uri="{FF2B5EF4-FFF2-40B4-BE49-F238E27FC236}">
+                <a16:creationId xmlns:a16="http://schemas.microsoft.com/office/drawing/2014/main" id="{55E17761-8E57-3B42-84DD-9A7EE118AA3B}"/>
+              </a:ext>
+            </a:extLst>
+          </p:cNvPr>
+          <p:cNvSpPr txBox="1"/>
+          <p:nvPr/>
+        </p:nvSpPr>
+        <p:spPr>
+          <a:xfrm>
+            <a:off x="733646" y="5287377"/>
+            <a:ext cx="10652051" cy="830997"/>
+          </a:xfrm>
+          <a:prstGeom prst="rect">
+            <a:avLst/>
+          </a:prstGeom>
+          <a:noFill/>
+        </p:spPr>
+        <p:txBody>
+          <a:bodyPr wrap="square" rtlCol="0">
+            <a:spAutoFit/>
+          </a:bodyPr>
+          <a:lstStyle/>
+          <a:p>
+            <a:pPr marL="285750" indent="-285750">
+              <a:buFont typeface="Arial" panose="020B0604020202020204" pitchFamily="34" charset="0"/>
+              <a:buChar char="•"/>
+            </a:pPr>
+            <a:r>
+              <a:rPr lang="en-US" sz="1600" dirty="0"/>
+              <a:t>If any Categorical variable has more than 50% unknown values or seems highly unbalanced, we can drop that variable from dataset; as shown above where we drop the feature ‘</a:t>
+            </a:r>
+            <a:r>
+              <a:rPr lang="en-US" sz="1600" dirty="0" err="1"/>
+              <a:t>poutcome</a:t>
+            </a:r>
+            <a:r>
+              <a:rPr lang="en-US" sz="1600" dirty="0"/>
+              <a:t>’.</a:t>
+            </a:r>
+          </a:p>
+          <a:p>
+            <a:pPr marL="285750" indent="-285750">
+              <a:buFont typeface="Arial" panose="020B0604020202020204" pitchFamily="34" charset="0"/>
+              <a:buChar char="•"/>
+            </a:pPr>
+            <a:endParaRPr lang="en-US" sz="1600" dirty="0"/>
+          </a:p>
+        </p:txBody>
+      </p:sp>
+      <p:pic>
+        <p:nvPicPr>
+          <p:cNvPr id="6" name="Content Placeholder 5">
+            <a:extLst>
+              <a:ext uri="{FF2B5EF4-FFF2-40B4-BE49-F238E27FC236}">
+                <a16:creationId xmlns:a16="http://schemas.microsoft.com/office/drawing/2014/main" id="{09D7BD0B-1C7A-5041-9837-2D356DAB233F}"/>
+              </a:ext>
+            </a:extLst>
+          </p:cNvPr>
+          <p:cNvPicPr>
+            <a:picLocks noGrp="1" noChangeAspect="1"/>
+          </p:cNvPicPr>
           <p:nvPr>
             <p:ph idx="1"/>
           </p:nvPr>
-        </p:nvSpPr>
-        <p:spPr/>
-        <p:txBody>
-          <a:bodyPr>
-            <a:normAutofit/>
-          </a:bodyPr>
-          <a:lstStyle/>
-          <a:p>
-            <a:r>
-              <a:rPr lang="en-US" sz="1600" dirty="0"/>
-              <a:t>logistic regression is not a useful unless we have already identified all the relevant independent variables.</a:t>
-            </a:r>
-          </a:p>
-          <a:p>
-            <a:r>
-              <a:rPr lang="en-US" sz="1600" dirty="0"/>
-              <a:t>Logistic regression requires that each data point be independent of all other data points. If observations are related to one another, then the model will tend to overweight the significance of those observations.</a:t>
-            </a:r>
-          </a:p>
-          <a:p>
-            <a:r>
-              <a:rPr lang="en-US" sz="1600" dirty="0"/>
-              <a:t>Logistic regression attempts to predict outcomes based on a set of independent variables, but logit models are vulnerable to overconfidence thus resulting in overfitting issues.</a:t>
-            </a:r>
-            <a:br>
-              <a:rPr lang="en-US" sz="1600" dirty="0"/>
-            </a:br>
-            <a:endParaRPr lang="en-US" sz="1600" dirty="0"/>
-          </a:p>
-        </p:txBody>
-      </p:sp>
+        </p:nvPicPr>
+        <p:blipFill>
+          <a:blip r:embed="rId2">
+            <a:extLst>
+              <a:ext uri="{28A0092B-C50C-407E-A947-70E740481C1C}">
+                <a14:useLocalDpi xmlns:a14="http://schemas.microsoft.com/office/drawing/2010/main" val="0"/>
+              </a:ext>
+            </a:extLst>
+          </a:blip>
+          <a:stretch>
+            <a:fillRect/>
+          </a:stretch>
+        </p:blipFill>
+        <p:spPr>
+          <a:xfrm>
+            <a:off x="2606453" y="1499192"/>
+            <a:ext cx="6426200" cy="3606800"/>
+          </a:xfrm>
+        </p:spPr>
+      </p:pic>
     </p:spTree>
     <p:extLst>
       <p:ext uri="{BB962C8B-B14F-4D97-AF65-F5344CB8AC3E}">
-        <p14:creationId xmlns:p14="http://schemas.microsoft.com/office/powerpoint/2010/main" val="2367156475"/>
+        <p14:creationId xmlns:p14="http://schemas.microsoft.com/office/powerpoint/2010/main" val="3133531199"/>
       </p:ext>
     </p:extLst>
   </p:cSld>
@@ -5265,7 +6100,7 @@
           <p:cNvPr id="2" name="Title 1">
             <a:extLst>
               <a:ext uri="{FF2B5EF4-FFF2-40B4-BE49-F238E27FC236}">
-                <a16:creationId xmlns:a16="http://schemas.microsoft.com/office/drawing/2014/main" id="{6C65FEB0-65B6-2047-8D51-84FA1D9966B0}"/>
+                <a16:creationId xmlns:a16="http://schemas.microsoft.com/office/drawing/2014/main" id="{AB2D7B83-FC75-F74C-9369-EE67F6415D24}"/>
               </a:ext>
             </a:extLst>
           </p:cNvPr>
@@ -5283,83 +6118,26 @@
           <a:p>
             <a:r>
               <a:rPr lang="en-US" dirty="0"/>
-              <a:t>Decision Tree</a:t>
-            </a:r>
-          </a:p>
-        </p:txBody>
-      </p:sp>
-      <p:sp>
-        <p:nvSpPr>
-          <p:cNvPr id="3" name="Content Placeholder 2">
-            <a:extLst>
-              <a:ext uri="{FF2B5EF4-FFF2-40B4-BE49-F238E27FC236}">
-                <a16:creationId xmlns:a16="http://schemas.microsoft.com/office/drawing/2014/main" id="{C3420B77-8DAF-1C44-AB10-85C4054A0B52}"/>
-              </a:ext>
-            </a:extLst>
-          </p:cNvPr>
-          <p:cNvSpPr>
-            <a:spLocks noGrp="1"/>
-          </p:cNvSpPr>
-          <p:nvPr>
-            <p:ph idx="1"/>
-          </p:nvPr>
-        </p:nvSpPr>
-        <p:spPr>
-          <a:xfrm>
-            <a:off x="838199" y="1825625"/>
-            <a:ext cx="4775791" cy="4351338"/>
-          </a:xfrm>
-        </p:spPr>
-        <p:txBody>
-          <a:bodyPr/>
-          <a:lstStyle/>
-          <a:p>
-            <a:r>
-              <a:rPr lang="en-US" sz="1600" dirty="0"/>
-              <a:t>Tuned with model parameter – </a:t>
-            </a:r>
-            <a:r>
-              <a:rPr lang="en-US" sz="1600" dirty="0" err="1"/>
-              <a:t>MaxDepth</a:t>
-            </a:r>
-            <a:endParaRPr lang="en-US" sz="1600" dirty="0"/>
-          </a:p>
-          <a:p>
-            <a:r>
-              <a:rPr lang="en-US" sz="1600" dirty="0"/>
-              <a:t>Used 10—fold cross validation with Grid search to pick the best tuning parameter.</a:t>
-            </a:r>
-          </a:p>
-          <a:p>
-            <a:r>
-              <a:rPr lang="en-US" sz="1600" dirty="0"/>
-              <a:t>As shown in the ROC curve the accuracy was around 81%</a:t>
-            </a:r>
-          </a:p>
-          <a:p>
-            <a:endParaRPr lang="en-US" sz="1600" dirty="0"/>
-          </a:p>
-          <a:p>
-            <a:pPr marL="0" indent="0">
-              <a:buNone/>
-            </a:pPr>
-            <a:endParaRPr lang="en-US" dirty="0"/>
+              <a:t>Correlation among variables</a:t>
+            </a:r>
           </a:p>
         </p:txBody>
       </p:sp>
       <p:pic>
         <p:nvPicPr>
-          <p:cNvPr id="6" name="Picture 5">
-            <a:extLst>
-              <a:ext uri="{FF2B5EF4-FFF2-40B4-BE49-F238E27FC236}">
-                <a16:creationId xmlns:a16="http://schemas.microsoft.com/office/drawing/2014/main" id="{2F5E9738-FD5E-FA49-B389-966BA320C310}"/>
+          <p:cNvPr id="5" name="Content Placeholder 4">
+            <a:extLst>
+              <a:ext uri="{FF2B5EF4-FFF2-40B4-BE49-F238E27FC236}">
+                <a16:creationId xmlns:a16="http://schemas.microsoft.com/office/drawing/2014/main" id="{71DD3CC4-6CED-6140-A028-4E22B9FEA55E}"/>
               </a:ext>
             </a:extLst>
           </p:cNvPr>
           <p:cNvPicPr>
-            <a:picLocks noChangeAspect="1"/>
+            <a:picLocks noGrp="1" noChangeAspect="1"/>
           </p:cNvPicPr>
-          <p:nvPr/>
+          <p:nvPr>
+            <p:ph idx="1"/>
+          </p:nvPr>
         </p:nvPicPr>
         <p:blipFill>
           <a:blip r:embed="rId2">
@@ -5375,18 +6153,54 @@
         </p:blipFill>
         <p:spPr>
           <a:xfrm>
-            <a:off x="5975498" y="1517650"/>
-            <a:ext cx="5969886" cy="3822700"/>
+            <a:off x="1067378" y="1517280"/>
+            <a:ext cx="6470981" cy="4798459"/>
+          </a:xfrm>
+        </p:spPr>
+      </p:pic>
+      <p:sp>
+        <p:nvSpPr>
+          <p:cNvPr id="6" name="TextBox 5">
+            <a:extLst>
+              <a:ext uri="{FF2B5EF4-FFF2-40B4-BE49-F238E27FC236}">
+                <a16:creationId xmlns:a16="http://schemas.microsoft.com/office/drawing/2014/main" id="{6CE6B7EE-2D25-0040-A430-BDDF35DB29CA}"/>
+              </a:ext>
+            </a:extLst>
+          </p:cNvPr>
+          <p:cNvSpPr txBox="1"/>
+          <p:nvPr/>
+        </p:nvSpPr>
+        <p:spPr>
+          <a:xfrm>
+            <a:off x="7868093" y="1690688"/>
+            <a:ext cx="3700130" cy="2862322"/>
           </a:xfrm>
           <a:prstGeom prst="rect">
             <a:avLst/>
           </a:prstGeom>
+          <a:noFill/>
         </p:spPr>
-      </p:pic>
+        <p:txBody>
+          <a:bodyPr wrap="square" rtlCol="0">
+            <a:spAutoFit/>
+          </a:bodyPr>
+          <a:lstStyle/>
+          <a:p>
+            <a:pPr marL="285750" indent="-285750">
+              <a:buFont typeface="Arial" panose="020B0604020202020204" pitchFamily="34" charset="0"/>
+              <a:buChar char="•"/>
+            </a:pPr>
+            <a:r>
+              <a:rPr lang="en-US" dirty="0"/>
+              <a:t>As shown in the diagram to the right we can clearly see high correlation among some of the independent variables and we drop these variables that are highly correlated to make sure we reduce the dimension and at the same time don’t affect the effective power of the features that are important.</a:t>
+            </a:r>
+          </a:p>
+        </p:txBody>
+      </p:sp>
     </p:spTree>
     <p:extLst>
       <p:ext uri="{BB962C8B-B14F-4D97-AF65-F5344CB8AC3E}">
-        <p14:creationId xmlns:p14="http://schemas.microsoft.com/office/powerpoint/2010/main" val="4284354610"/>
+        <p14:creationId xmlns:p14="http://schemas.microsoft.com/office/powerpoint/2010/main" val="2928149745"/>
       </p:ext>
     </p:extLst>
   </p:cSld>
@@ -5418,7 +6232,7 @@
           <p:cNvPr id="2" name="Title 1">
             <a:extLst>
               <a:ext uri="{FF2B5EF4-FFF2-40B4-BE49-F238E27FC236}">
-                <a16:creationId xmlns:a16="http://schemas.microsoft.com/office/drawing/2014/main" id="{15A57AEA-02B5-9D47-BB3B-F31713D22BCE}"/>
+                <a16:creationId xmlns:a16="http://schemas.microsoft.com/office/drawing/2014/main" id="{A5307217-663A-DC47-A621-499CDF81119E}"/>
               </a:ext>
             </a:extLst>
           </p:cNvPr>
@@ -5436,7 +6250,7 @@
           <a:p>
             <a:r>
               <a:rPr lang="en-US" dirty="0"/>
-              <a:t>Decision Tree</a:t>
+              <a:t>Machine Learning</a:t>
             </a:r>
           </a:p>
         </p:txBody>
@@ -5446,7 +6260,7 @@
           <p:cNvPr id="3" name="Content Placeholder 2">
             <a:extLst>
               <a:ext uri="{FF2B5EF4-FFF2-40B4-BE49-F238E27FC236}">
-                <a16:creationId xmlns:a16="http://schemas.microsoft.com/office/drawing/2014/main" id="{398D4561-9248-3240-9EEA-C5571EA3CE6D}"/>
+                <a16:creationId xmlns:a16="http://schemas.microsoft.com/office/drawing/2014/main" id="{435B8CC5-9463-344A-A02A-84F5864029EA}"/>
               </a:ext>
             </a:extLst>
           </p:cNvPr>
@@ -5459,28 +6273,40 @@
         </p:nvSpPr>
         <p:spPr/>
         <p:txBody>
-          <a:bodyPr>
-            <a:normAutofit/>
-          </a:bodyPr>
-          <a:lstStyle/>
-          <a:p>
-            <a:r>
-              <a:rPr lang="en-US" sz="1600" dirty="0"/>
-              <a:t>Decision tree is prone to overfitting.</a:t>
-            </a:r>
-          </a:p>
-          <a:p>
-            <a:r>
-              <a:rPr lang="en-US" sz="1600" dirty="0"/>
-              <a:t>One way to combat this issue is by setting a max depth. This will limit our risk of overfitting; but as always, this will be at the expense of error due to bias. So for example Thus if we set a max depth of three, we would only ask three questions (</a:t>
-            </a:r>
-            <a:r>
-              <a:rPr lang="en-US" sz="1600" dirty="0" err="1"/>
-              <a:t>i.e</a:t>
-            </a:r>
-            <a:r>
-              <a:rPr lang="en-US" sz="1600" dirty="0"/>
-              <a:t> split three times). This is a simpler model with less variance sample to sample but ultimately will not be a strong predictive model.</a:t>
+          <a:bodyPr/>
+          <a:lstStyle/>
+          <a:p>
+            <a:r>
+              <a:rPr lang="en-US" dirty="0"/>
+              <a:t>Applied the following Algorithm</a:t>
+            </a:r>
+          </a:p>
+          <a:p>
+            <a:pPr lvl="1"/>
+            <a:r>
+              <a:rPr lang="en-US" dirty="0"/>
+              <a:t>Logistic Regression</a:t>
+            </a:r>
+          </a:p>
+          <a:p>
+            <a:pPr lvl="1"/>
+            <a:r>
+              <a:rPr lang="en-US" dirty="0"/>
+              <a:t>Decision tree</a:t>
+            </a:r>
+          </a:p>
+          <a:p>
+            <a:pPr lvl="1"/>
+            <a:r>
+              <a:rPr lang="en-US" dirty="0"/>
+              <a:t>Random Forest</a:t>
+            </a:r>
+          </a:p>
+          <a:p>
+            <a:pPr lvl="1"/>
+            <a:r>
+              <a:rPr lang="en-US" dirty="0"/>
+              <a:t>Support Vector Machine</a:t>
             </a:r>
           </a:p>
         </p:txBody>
@@ -5488,7 +6314,7 @@
     </p:spTree>
     <p:extLst>
       <p:ext uri="{BB962C8B-B14F-4D97-AF65-F5344CB8AC3E}">
-        <p14:creationId xmlns:p14="http://schemas.microsoft.com/office/powerpoint/2010/main" val="2318044260"/>
+        <p14:creationId xmlns:p14="http://schemas.microsoft.com/office/powerpoint/2010/main" val="905762211"/>
       </p:ext>
     </p:extLst>
   </p:cSld>
